--- a/P5_02_presentation/Présentation1.pptx
+++ b/P5_02_presentation/Présentation1.pptx
@@ -130,7 +130,7 @@
 <file path=ppt/revisionInfo.xml><?xml version="1.0" encoding="utf-8"?>
 <p1510:revInfo xmlns:a="http://schemas.openxmlformats.org/drawingml/2006/main" xmlns:r="http://schemas.openxmlformats.org/officeDocument/2006/relationships" xmlns:p1510="http://schemas.microsoft.com/office/powerpoint/2015/10/main">
   <p1510:revLst>
-    <p1510:client id="{1CA47C82-7AB2-8345-B5C2-24AB452C4827}" v="515" dt="2021-10-18T08:54:18.639"/>
+    <p1510:client id="{1CA47C82-7AB2-8345-B5C2-24AB452C4827}" v="530" dt="2021-10-19T20:10:32.057"/>
   </p1510:revLst>
 </p1510:revInfo>
 </file>
@@ -140,7 +140,7 @@
   <pc:docChgLst>
     <pc:chgData name="Soussand, Yoan" userId="6c304db6-38ce-44e5-ba9b-3778b08966c2" providerId="ADAL" clId="{1CA47C82-7AB2-8345-B5C2-24AB452C4827}"/>
     <pc:docChg chg="undo custSel addSld delSld modSld sldOrd modMainMaster">
-      <pc:chgData name="Soussand, Yoan" userId="6c304db6-38ce-44e5-ba9b-3778b08966c2" providerId="ADAL" clId="{1CA47C82-7AB2-8345-B5C2-24AB452C4827}" dt="2021-10-18T08:54:25.907" v="1800" actId="2696"/>
+      <pc:chgData name="Soussand, Yoan" userId="6c304db6-38ce-44e5-ba9b-3778b08966c2" providerId="ADAL" clId="{1CA47C82-7AB2-8345-B5C2-24AB452C4827}" dt="2021-10-19T20:10:32.057" v="1825"/>
       <pc:docMkLst>
         <pc:docMk/>
       </pc:docMkLst>
@@ -742,8 +742,8 @@
           </ac:picMkLst>
         </pc:picChg>
       </pc:sldChg>
-      <pc:sldChg chg="addSp delSp modSp new add del mod setBg modAnim">
-        <pc:chgData name="Soussand, Yoan" userId="6c304db6-38ce-44e5-ba9b-3778b08966c2" providerId="ADAL" clId="{1CA47C82-7AB2-8345-B5C2-24AB452C4827}" dt="2021-10-18T08:04:30.684" v="701" actId="1076"/>
+      <pc:sldChg chg="addSp delSp modSp new add del mod setBg delAnim modAnim">
+        <pc:chgData name="Soussand, Yoan" userId="6c304db6-38ce-44e5-ba9b-3778b08966c2" providerId="ADAL" clId="{1CA47C82-7AB2-8345-B5C2-24AB452C4827}" dt="2021-10-19T20:10:32.057" v="1825"/>
         <pc:sldMkLst>
           <pc:docMk/>
           <pc:sldMk cId="888431909" sldId="258"/>
@@ -860,12 +860,20 @@
             <ac:grpSpMk id="51" creationId="{F5FDDF18-F156-4D2D-82C6-F55008E338B5}"/>
           </ac:grpSpMkLst>
         </pc:grpChg>
-        <pc:picChg chg="add mod modCrop">
-          <ac:chgData name="Soussand, Yoan" userId="6c304db6-38ce-44e5-ba9b-3778b08966c2" providerId="ADAL" clId="{1CA47C82-7AB2-8345-B5C2-24AB452C4827}" dt="2021-10-18T08:04:30.684" v="701" actId="1076"/>
+        <pc:picChg chg="add del mod modCrop">
+          <ac:chgData name="Soussand, Yoan" userId="6c304db6-38ce-44e5-ba9b-3778b08966c2" providerId="ADAL" clId="{1CA47C82-7AB2-8345-B5C2-24AB452C4827}" dt="2021-10-19T20:05:19.472" v="1814" actId="478"/>
           <ac:picMkLst>
             <pc:docMk/>
             <pc:sldMk cId="888431909" sldId="258"/>
             <ac:picMk id="4" creationId="{46FF8CBD-3A6C-794A-BAAF-097D5A168B0D}"/>
+          </ac:picMkLst>
+        </pc:picChg>
+        <pc:picChg chg="add mod modCrop">
+          <ac:chgData name="Soussand, Yoan" userId="6c304db6-38ce-44e5-ba9b-3778b08966c2" providerId="ADAL" clId="{1CA47C82-7AB2-8345-B5C2-24AB452C4827}" dt="2021-10-19T20:07:02.878" v="1823" actId="14100"/>
+          <ac:picMkLst>
+            <pc:docMk/>
+            <pc:sldMk cId="888431909" sldId="258"/>
+            <ac:picMk id="5" creationId="{B2D8939F-B780-DD4C-8C59-D9FB1838AE7A}"/>
           </ac:picMkLst>
         </pc:picChg>
       </pc:sldChg>
@@ -964,7 +972,7 @@
         </pc:sldMkLst>
       </pc:sldChg>
       <pc:sldChg chg="addSp delSp modSp new mod setBg modAnim setClrOvrMap">
-        <pc:chgData name="Soussand, Yoan" userId="6c304db6-38ce-44e5-ba9b-3778b08966c2" providerId="ADAL" clId="{1CA47C82-7AB2-8345-B5C2-24AB452C4827}" dt="2021-10-18T08:53:15.510" v="1794" actId="20577"/>
+        <pc:chgData name="Soussand, Yoan" userId="6c304db6-38ce-44e5-ba9b-3778b08966c2" providerId="ADAL" clId="{1CA47C82-7AB2-8345-B5C2-24AB452C4827}" dt="2021-10-19T20:04:48.106" v="1813"/>
         <pc:sldMkLst>
           <pc:docMk/>
           <pc:sldMk cId="3963614626" sldId="260"/>
@@ -7909,7 +7917,7 @@
           <a:p>
             <a:fld id="{357A2A53-6095-4F4F-B00B-312CCAD5DF5B}" type="datetimeFigureOut">
               <a:rPr lang="fr-FR" smtClean="0"/>
-              <a:t>18/10/2021</a:t>
+              <a:t>19/10/2021</a:t>
             </a:fld>
             <a:endParaRPr lang="fr-FR"/>
           </a:p>
@@ -8107,7 +8115,7 @@
           <a:p>
             <a:fld id="{357A2A53-6095-4F4F-B00B-312CCAD5DF5B}" type="datetimeFigureOut">
               <a:rPr lang="fr-FR" smtClean="0"/>
-              <a:t>18/10/2021</a:t>
+              <a:t>19/10/2021</a:t>
             </a:fld>
             <a:endParaRPr lang="fr-FR"/>
           </a:p>
@@ -8315,7 +8323,7 @@
           <a:p>
             <a:fld id="{357A2A53-6095-4F4F-B00B-312CCAD5DF5B}" type="datetimeFigureOut">
               <a:rPr lang="fr-FR" smtClean="0"/>
-              <a:t>18/10/2021</a:t>
+              <a:t>19/10/2021</a:t>
             </a:fld>
             <a:endParaRPr lang="fr-FR"/>
           </a:p>
@@ -8513,7 +8521,7 @@
           <a:p>
             <a:fld id="{357A2A53-6095-4F4F-B00B-312CCAD5DF5B}" type="datetimeFigureOut">
               <a:rPr lang="fr-FR" smtClean="0"/>
-              <a:t>18/10/2021</a:t>
+              <a:t>19/10/2021</a:t>
             </a:fld>
             <a:endParaRPr lang="fr-FR"/>
           </a:p>
@@ -8788,7 +8796,7 @@
           <a:p>
             <a:fld id="{357A2A53-6095-4F4F-B00B-312CCAD5DF5B}" type="datetimeFigureOut">
               <a:rPr lang="fr-FR" smtClean="0"/>
-              <a:t>18/10/2021</a:t>
+              <a:t>19/10/2021</a:t>
             </a:fld>
             <a:endParaRPr lang="fr-FR"/>
           </a:p>
@@ -9053,7 +9061,7 @@
           <a:p>
             <a:fld id="{357A2A53-6095-4F4F-B00B-312CCAD5DF5B}" type="datetimeFigureOut">
               <a:rPr lang="fr-FR" smtClean="0"/>
-              <a:t>18/10/2021</a:t>
+              <a:t>19/10/2021</a:t>
             </a:fld>
             <a:endParaRPr lang="fr-FR"/>
           </a:p>
@@ -9465,7 +9473,7 @@
           <a:p>
             <a:fld id="{357A2A53-6095-4F4F-B00B-312CCAD5DF5B}" type="datetimeFigureOut">
               <a:rPr lang="fr-FR" smtClean="0"/>
-              <a:t>18/10/2021</a:t>
+              <a:t>19/10/2021</a:t>
             </a:fld>
             <a:endParaRPr lang="fr-FR"/>
           </a:p>
@@ -9606,7 +9614,7 @@
           <a:p>
             <a:fld id="{357A2A53-6095-4F4F-B00B-312CCAD5DF5B}" type="datetimeFigureOut">
               <a:rPr lang="fr-FR" smtClean="0"/>
-              <a:t>18/10/2021</a:t>
+              <a:t>19/10/2021</a:t>
             </a:fld>
             <a:endParaRPr lang="fr-FR"/>
           </a:p>
@@ -9719,7 +9727,7 @@
           <a:p>
             <a:fld id="{357A2A53-6095-4F4F-B00B-312CCAD5DF5B}" type="datetimeFigureOut">
               <a:rPr lang="fr-FR" smtClean="0"/>
-              <a:t>18/10/2021</a:t>
+              <a:t>19/10/2021</a:t>
             </a:fld>
             <a:endParaRPr lang="fr-FR"/>
           </a:p>
@@ -10030,7 +10038,7 @@
           <a:p>
             <a:fld id="{357A2A53-6095-4F4F-B00B-312CCAD5DF5B}" type="datetimeFigureOut">
               <a:rPr lang="fr-FR" smtClean="0"/>
-              <a:t>18/10/2021</a:t>
+              <a:t>19/10/2021</a:t>
             </a:fld>
             <a:endParaRPr lang="fr-FR"/>
           </a:p>
@@ -10318,7 +10326,7 @@
           <a:p>
             <a:fld id="{357A2A53-6095-4F4F-B00B-312CCAD5DF5B}" type="datetimeFigureOut">
               <a:rPr lang="fr-FR" smtClean="0"/>
-              <a:t>18/10/2021</a:t>
+              <a:t>19/10/2021</a:t>
             </a:fld>
             <a:endParaRPr lang="fr-FR"/>
           </a:p>
@@ -10559,7 +10567,7 @@
           <a:p>
             <a:fld id="{357A2A53-6095-4F4F-B00B-312CCAD5DF5B}" type="datetimeFigureOut">
               <a:rPr lang="fr-FR" smtClean="0"/>
-              <a:t>18/10/2021</a:t>
+              <a:t>19/10/2021</a:t>
             </a:fld>
             <a:endParaRPr lang="fr-FR"/>
           </a:p>
@@ -18346,6 +18354,9 @@
                     <p:cTn id="3" fill="hold">
                       <p:stCondLst>
                         <p:cond delay="indefinite"/>
+                        <p:cond evt="onBegin" delay="0">
+                          <p:tn val="2"/>
+                        </p:cond>
                       </p:stCondLst>
                       <p:childTnLst>
                         <p:par>
@@ -18355,7 +18366,7 @@
                             </p:stCondLst>
                             <p:childTnLst>
                               <p:par>
-                                <p:cTn id="5" presetID="10" presetClass="entr" presetSubtype="0" fill="hold" grpId="0" nodeType="clickEffect">
+                                <p:cTn id="5" presetID="10" presetClass="entr" presetSubtype="0" fill="hold" grpId="0" nodeType="afterEffect">
                                   <p:stCondLst>
                                     <p:cond delay="0"/>
                                   </p:stCondLst>
@@ -18384,7 +18395,7 @@
                                     </p:set>
                                     <p:animEffect transition="in" filter="fade">
                                       <p:cBhvr>
-                                        <p:cTn id="7" dur="1000"/>
+                                        <p:cTn id="7" dur="750"/>
                                         <p:tgtEl>
                                           <p:spTgt spid="14">
                                             <p:graphicEl>
@@ -18397,15 +18408,24 @@
                                   </p:childTnLst>
                                 </p:cTn>
                               </p:par>
+                            </p:childTnLst>
+                          </p:cTn>
+                        </p:par>
+                        <p:par>
+                          <p:cTn id="8" fill="hold">
+                            <p:stCondLst>
+                              <p:cond delay="750"/>
+                            </p:stCondLst>
+                            <p:childTnLst>
                               <p:par>
-                                <p:cTn id="8" presetID="10" presetClass="entr" presetSubtype="0" fill="hold" grpId="0" nodeType="withEffect">
+                                <p:cTn id="9" presetID="10" presetClass="entr" presetSubtype="0" fill="hold" grpId="0" nodeType="afterEffect">
                                   <p:stCondLst>
                                     <p:cond delay="0"/>
                                   </p:stCondLst>
                                   <p:childTnLst>
                                     <p:set>
                                       <p:cBhvr>
-                                        <p:cTn id="9" dur="1" fill="hold">
+                                        <p:cTn id="10" dur="1" fill="hold">
                                           <p:stCondLst>
                                             <p:cond delay="0"/>
                                           </p:stCondLst>
@@ -18427,7 +18447,7 @@
                                     </p:set>
                                     <p:animEffect transition="in" filter="fade">
                                       <p:cBhvr>
-                                        <p:cTn id="10" dur="1000"/>
+                                        <p:cTn id="11" dur="750"/>
                                         <p:tgtEl>
                                           <p:spTgt spid="14">
                                             <p:graphicEl>
@@ -18443,23 +18463,14 @@
                             </p:childTnLst>
                           </p:cTn>
                         </p:par>
-                      </p:childTnLst>
-                    </p:cTn>
-                  </p:par>
-                  <p:par>
-                    <p:cTn id="11" fill="hold">
-                      <p:stCondLst>
-                        <p:cond delay="indefinite"/>
-                      </p:stCondLst>
-                      <p:childTnLst>
                         <p:par>
                           <p:cTn id="12" fill="hold">
                             <p:stCondLst>
-                              <p:cond delay="0"/>
+                              <p:cond delay="1500"/>
                             </p:stCondLst>
                             <p:childTnLst>
                               <p:par>
-                                <p:cTn id="13" presetID="10" presetClass="entr" presetSubtype="0" fill="hold" grpId="0" nodeType="clickEffect">
+                                <p:cTn id="13" presetID="10" presetClass="entr" presetSubtype="0" fill="hold" grpId="0" nodeType="afterEffect">
                                   <p:stCondLst>
                                     <p:cond delay="0"/>
                                   </p:stCondLst>
@@ -18467,6 +18478,110 @@
                                     <p:set>
                                       <p:cBhvr>
                                         <p:cTn id="14" dur="1" fill="hold">
+                                          <p:stCondLst>
+                                            <p:cond delay="0"/>
+                                          </p:stCondLst>
+                                        </p:cTn>
+                                        <p:tgtEl>
+                                          <p:spTgt spid="14">
+                                            <p:graphicEl>
+                                              <a:dgm id="{0E36069C-5B3F-4D2A-A06B-3B77119815C4}"/>
+                                            </p:graphicEl>
+                                          </p:spTgt>
+                                        </p:tgtEl>
+                                        <p:attrNameLst>
+                                          <p:attrName>style.visibility</p:attrName>
+                                        </p:attrNameLst>
+                                      </p:cBhvr>
+                                      <p:to>
+                                        <p:strVal val="visible"/>
+                                      </p:to>
+                                    </p:set>
+                                    <p:animEffect transition="in" filter="fade">
+                                      <p:cBhvr>
+                                        <p:cTn id="15" dur="750"/>
+                                        <p:tgtEl>
+                                          <p:spTgt spid="14">
+                                            <p:graphicEl>
+                                              <a:dgm id="{0E36069C-5B3F-4D2A-A06B-3B77119815C4}"/>
+                                            </p:graphicEl>
+                                          </p:spTgt>
+                                        </p:tgtEl>
+                                      </p:cBhvr>
+                                    </p:animEffect>
+                                  </p:childTnLst>
+                                </p:cTn>
+                              </p:par>
+                            </p:childTnLst>
+                          </p:cTn>
+                        </p:par>
+                        <p:par>
+                          <p:cTn id="16" fill="hold">
+                            <p:stCondLst>
+                              <p:cond delay="2250"/>
+                            </p:stCondLst>
+                            <p:childTnLst>
+                              <p:par>
+                                <p:cTn id="17" presetID="10" presetClass="entr" presetSubtype="0" fill="hold" grpId="0" nodeType="afterEffect">
+                                  <p:stCondLst>
+                                    <p:cond delay="0"/>
+                                  </p:stCondLst>
+                                  <p:childTnLst>
+                                    <p:set>
+                                      <p:cBhvr>
+                                        <p:cTn id="18" dur="1" fill="hold">
+                                          <p:stCondLst>
+                                            <p:cond delay="0"/>
+                                          </p:stCondLst>
+                                        </p:cTn>
+                                        <p:tgtEl>
+                                          <p:spTgt spid="14">
+                                            <p:graphicEl>
+                                              <a:dgm id="{D8960307-DF5A-4807-9B27-F3725A3705CF}"/>
+                                            </p:graphicEl>
+                                          </p:spTgt>
+                                        </p:tgtEl>
+                                        <p:attrNameLst>
+                                          <p:attrName>style.visibility</p:attrName>
+                                        </p:attrNameLst>
+                                      </p:cBhvr>
+                                      <p:to>
+                                        <p:strVal val="visible"/>
+                                      </p:to>
+                                    </p:set>
+                                    <p:animEffect transition="in" filter="fade">
+                                      <p:cBhvr>
+                                        <p:cTn id="19" dur="750"/>
+                                        <p:tgtEl>
+                                          <p:spTgt spid="14">
+                                            <p:graphicEl>
+                                              <a:dgm id="{D8960307-DF5A-4807-9B27-F3725A3705CF}"/>
+                                            </p:graphicEl>
+                                          </p:spTgt>
+                                        </p:tgtEl>
+                                      </p:cBhvr>
+                                    </p:animEffect>
+                                  </p:childTnLst>
+                                </p:cTn>
+                              </p:par>
+                            </p:childTnLst>
+                          </p:cTn>
+                        </p:par>
+                        <p:par>
+                          <p:cTn id="20" fill="hold">
+                            <p:stCondLst>
+                              <p:cond delay="3000"/>
+                            </p:stCondLst>
+                            <p:childTnLst>
+                              <p:par>
+                                <p:cTn id="21" presetID="10" presetClass="entr" presetSubtype="0" fill="hold" grpId="0" nodeType="afterEffect">
+                                  <p:stCondLst>
+                                    <p:cond delay="0"/>
+                                  </p:stCondLst>
+                                  <p:childTnLst>
+                                    <p:set>
+                                      <p:cBhvr>
+                                        <p:cTn id="22" dur="1" fill="hold">
                                           <p:stCondLst>
                                             <p:cond delay="0"/>
                                           </p:stCondLst>
@@ -18488,7 +18603,7 @@
                                     </p:set>
                                     <p:animEffect transition="in" filter="fade">
                                       <p:cBhvr>
-                                        <p:cTn id="15" dur="1000"/>
+                                        <p:cTn id="23" dur="750"/>
                                         <p:tgtEl>
                                           <p:spTgt spid="14">
                                             <p:graphicEl>
@@ -18501,15 +18616,24 @@
                                   </p:childTnLst>
                                 </p:cTn>
                               </p:par>
+                            </p:childTnLst>
+                          </p:cTn>
+                        </p:par>
+                        <p:par>
+                          <p:cTn id="24" fill="hold">
+                            <p:stCondLst>
+                              <p:cond delay="3750"/>
+                            </p:stCondLst>
+                            <p:childTnLst>
                               <p:par>
-                                <p:cTn id="16" presetID="10" presetClass="entr" presetSubtype="0" fill="hold" grpId="0" nodeType="withEffect">
+                                <p:cTn id="25" presetID="10" presetClass="entr" presetSubtype="0" fill="hold" grpId="0" nodeType="afterEffect">
                                   <p:stCondLst>
                                     <p:cond delay="0"/>
                                   </p:stCondLst>
                                   <p:childTnLst>
                                     <p:set>
                                       <p:cBhvr>
-                                        <p:cTn id="17" dur="1" fill="hold">
+                                        <p:cTn id="26" dur="1" fill="hold">
                                           <p:stCondLst>
                                             <p:cond delay="0"/>
                                           </p:stCondLst>
@@ -18531,115 +18655,11 @@
                                     </p:set>
                                     <p:animEffect transition="in" filter="fade">
                                       <p:cBhvr>
-                                        <p:cTn id="18" dur="1000"/>
+                                        <p:cTn id="27" dur="750"/>
                                         <p:tgtEl>
                                           <p:spTgt spid="14">
                                             <p:graphicEl>
                                               <a:dgm id="{E38B9B6A-46A6-D244-B9D0-85A58E90EB9C}"/>
-                                            </p:graphicEl>
-                                          </p:spTgt>
-                                        </p:tgtEl>
-                                      </p:cBhvr>
-                                    </p:animEffect>
-                                  </p:childTnLst>
-                                </p:cTn>
-                              </p:par>
-                            </p:childTnLst>
-                          </p:cTn>
-                        </p:par>
-                      </p:childTnLst>
-                    </p:cTn>
-                  </p:par>
-                  <p:par>
-                    <p:cTn id="19" fill="hold">
-                      <p:stCondLst>
-                        <p:cond delay="indefinite"/>
-                      </p:stCondLst>
-                      <p:childTnLst>
-                        <p:par>
-                          <p:cTn id="20" fill="hold">
-                            <p:stCondLst>
-                              <p:cond delay="0"/>
-                            </p:stCondLst>
-                            <p:childTnLst>
-                              <p:par>
-                                <p:cTn id="21" presetID="10" presetClass="entr" presetSubtype="0" fill="hold" grpId="0" nodeType="clickEffect">
-                                  <p:stCondLst>
-                                    <p:cond delay="0"/>
-                                  </p:stCondLst>
-                                  <p:childTnLst>
-                                    <p:set>
-                                      <p:cBhvr>
-                                        <p:cTn id="22" dur="1" fill="hold">
-                                          <p:stCondLst>
-                                            <p:cond delay="0"/>
-                                          </p:stCondLst>
-                                        </p:cTn>
-                                        <p:tgtEl>
-                                          <p:spTgt spid="14">
-                                            <p:graphicEl>
-                                              <a:dgm id="{0E36069C-5B3F-4D2A-A06B-3B77119815C4}"/>
-                                            </p:graphicEl>
-                                          </p:spTgt>
-                                        </p:tgtEl>
-                                        <p:attrNameLst>
-                                          <p:attrName>style.visibility</p:attrName>
-                                        </p:attrNameLst>
-                                      </p:cBhvr>
-                                      <p:to>
-                                        <p:strVal val="visible"/>
-                                      </p:to>
-                                    </p:set>
-                                    <p:animEffect transition="in" filter="fade">
-                                      <p:cBhvr>
-                                        <p:cTn id="23" dur="1000"/>
-                                        <p:tgtEl>
-                                          <p:spTgt spid="14">
-                                            <p:graphicEl>
-                                              <a:dgm id="{0E36069C-5B3F-4D2A-A06B-3B77119815C4}"/>
-                                            </p:graphicEl>
-                                          </p:spTgt>
-                                        </p:tgtEl>
-                                      </p:cBhvr>
-                                    </p:animEffect>
-                                  </p:childTnLst>
-                                </p:cTn>
-                              </p:par>
-                              <p:par>
-                                <p:cTn id="24" presetID="10" presetClass="entr" presetSubtype="0" fill="hold" grpId="0" nodeType="withEffect">
-                                  <p:stCondLst>
-                                    <p:cond delay="0"/>
-                                  </p:stCondLst>
-                                  <p:childTnLst>
-                                    <p:set>
-                                      <p:cBhvr>
-                                        <p:cTn id="25" dur="1" fill="hold">
-                                          <p:stCondLst>
-                                            <p:cond delay="0"/>
-                                          </p:stCondLst>
-                                        </p:cTn>
-                                        <p:tgtEl>
-                                          <p:spTgt spid="14">
-                                            <p:graphicEl>
-                                              <a:dgm id="{D8960307-DF5A-4807-9B27-F3725A3705CF}"/>
-                                            </p:graphicEl>
-                                          </p:spTgt>
-                                        </p:tgtEl>
-                                        <p:attrNameLst>
-                                          <p:attrName>style.visibility</p:attrName>
-                                        </p:attrNameLst>
-                                      </p:cBhvr>
-                                      <p:to>
-                                        <p:strVal val="visible"/>
-                                      </p:to>
-                                    </p:set>
-                                    <p:animEffect transition="in" filter="fade">
-                                      <p:cBhvr>
-                                        <p:cTn id="26" dur="1000"/>
-                                        <p:tgtEl>
-                                          <p:spTgt spid="14">
-                                            <p:graphicEl>
-                                              <a:dgm id="{D8960307-DF5A-4807-9B27-F3725A3705CF}"/>
                                             </p:graphicEl>
                                           </p:spTgt>
                                         </p:tgtEl>
@@ -18676,7 +18696,7 @@
       </p:par>
     </p:tnLst>
     <p:bldLst>
-      <p:bldGraphic spid="14" grpId="0">
+      <p:bldGraphic spid="14" grpId="0" uiExpand="1">
         <p:bldSub>
           <a:bldDgm bld="one"/>
         </p:bldSub>
@@ -23880,35 +23900,6 @@
           </p:txBody>
         </p:sp>
       </p:grpSp>
-      <p:pic>
-        <p:nvPicPr>
-          <p:cNvPr id="4" name="Image 3">
-            <a:extLst>
-              <a:ext uri="{FF2B5EF4-FFF2-40B4-BE49-F238E27FC236}">
-                <a16:creationId xmlns:a16="http://schemas.microsoft.com/office/drawing/2014/main" id="{46FF8CBD-3A6C-794A-BAAF-097D5A168B0D}"/>
-              </a:ext>
-            </a:extLst>
-          </p:cNvPr>
-          <p:cNvPicPr>
-            <a:picLocks noChangeAspect="1"/>
-          </p:cNvPicPr>
-          <p:nvPr/>
-        </p:nvPicPr>
-        <p:blipFill rotWithShape="1">
-          <a:blip r:embed="rId2"/>
-          <a:srcRect l="3644" t="4540" r="1512" b="9599"/>
-          <a:stretch/>
-        </p:blipFill>
-        <p:spPr>
-          <a:xfrm>
-            <a:off x="225469" y="473558"/>
-            <a:ext cx="11381423" cy="6358841"/>
-          </a:xfrm>
-          <a:prstGeom prst="rect">
-            <a:avLst/>
-          </a:prstGeom>
-        </p:spPr>
-      </p:pic>
       <p:grpSp>
         <p:nvGrpSpPr>
           <p:cNvPr id="51" name="Group 50">
@@ -25165,6 +25156,35 @@
           </p:txBody>
         </p:sp>
       </p:grpSp>
+      <p:pic>
+        <p:nvPicPr>
+          <p:cNvPr id="5" name="Image 4">
+            <a:extLst>
+              <a:ext uri="{FF2B5EF4-FFF2-40B4-BE49-F238E27FC236}">
+                <a16:creationId xmlns:a16="http://schemas.microsoft.com/office/drawing/2014/main" id="{B2D8939F-B780-DD4C-8C59-D9FB1838AE7A}"/>
+              </a:ext>
+            </a:extLst>
+          </p:cNvPr>
+          <p:cNvPicPr>
+            <a:picLocks noChangeAspect="1"/>
+          </p:cNvPicPr>
+          <p:nvPr/>
+        </p:nvPicPr>
+        <p:blipFill rotWithShape="1">
+          <a:blip r:embed="rId2"/>
+          <a:srcRect l="1934" t="4831" r="4392" b="14010"/>
+          <a:stretch/>
+        </p:blipFill>
+        <p:spPr>
+          <a:xfrm>
+            <a:off x="52997" y="379304"/>
+            <a:ext cx="11245796" cy="6356970"/>
+          </a:xfrm>
+          <a:prstGeom prst="rect">
+            <a:avLst/>
+          </a:prstGeom>
+        </p:spPr>
+      </p:pic>
     </p:spTree>
     <p:extLst>
       <p:ext uri="{BB962C8B-B14F-4D97-AF65-F5344CB8AC3E}">
@@ -25199,9 +25219,9 @@
                             </p:stCondLst>
                             <p:childTnLst>
                               <p:par>
-                                <p:cTn id="5" presetID="14" presetClass="entr" presetSubtype="10" fill="hold" nodeType="afterEffect">
+                                <p:cTn id="5" presetID="10" presetClass="entr" presetSubtype="0" fill="hold" nodeType="afterEffect">
                                   <p:stCondLst>
-                                    <p:cond delay="500"/>
+                                    <p:cond delay="0"/>
                                   </p:stCondLst>
                                   <p:childTnLst>
                                     <p:set>
@@ -25212,7 +25232,7 @@
                                           </p:stCondLst>
                                         </p:cTn>
                                         <p:tgtEl>
-                                          <p:spTgt spid="4"/>
+                                          <p:spTgt spid="5"/>
                                         </p:tgtEl>
                                         <p:attrNameLst>
                                           <p:attrName>style.visibility</p:attrName>
@@ -25222,11 +25242,11 @@
                                         <p:strVal val="visible"/>
                                       </p:to>
                                     </p:set>
-                                    <p:animEffect transition="in" filter="randombar(horizontal)">
+                                    <p:animEffect transition="in" filter="fade">
                                       <p:cBhvr>
                                         <p:cTn id="7" dur="500"/>
                                         <p:tgtEl>
-                                          <p:spTgt spid="4"/>
+                                          <p:spTgt spid="5"/>
                                         </p:tgtEl>
                                       </p:cBhvr>
                                     </p:animEffect>
